--- a/authentication/_reference/tests.pptx
+++ b/authentication/_reference/tests.pptx
@@ -220,7 +220,7 @@
           <a:p>
             <a:fld id="{013D7D23-95FE-4191-B08D-3CBB1E1CEEFE}" type="datetimeFigureOut">
               <a:rPr lang="pt-PT" smtClean="0"/>
-              <a:t>05/01/2025</a:t>
+              <a:t>31/03/2025</a:t>
             </a:fld>
             <a:endParaRPr lang="pt-PT" dirty="0"/>
           </a:p>
@@ -619,7 +619,7 @@
           <a:p>
             <a:fld id="{5C0ED97C-8255-4BAC-9D42-1F6A6651E287}" type="datetime1">
               <a:rPr lang="pt-PT" smtClean="0"/>
-              <a:t>05/01/2025</a:t>
+              <a:t>31/03/2025</a:t>
             </a:fld>
             <a:endParaRPr lang="pt-PT" dirty="0"/>
           </a:p>
@@ -789,7 +789,7 @@
           <a:p>
             <a:fld id="{4FCC8996-E467-4FE1-B165-4002860D0AC7}" type="datetime1">
               <a:rPr lang="pt-PT" smtClean="0"/>
-              <a:t>05/01/2025</a:t>
+              <a:t>31/03/2025</a:t>
             </a:fld>
             <a:endParaRPr lang="pt-PT" dirty="0"/>
           </a:p>
@@ -969,7 +969,7 @@
           <a:p>
             <a:fld id="{C104532E-E792-4BF5-B399-9E5E16070233}" type="datetime1">
               <a:rPr lang="pt-PT" smtClean="0"/>
-              <a:t>05/01/2025</a:t>
+              <a:t>31/03/2025</a:t>
             </a:fld>
             <a:endParaRPr lang="pt-PT" dirty="0"/>
           </a:p>
@@ -1179,7 +1179,7 @@
           <a:p>
             <a:fld id="{FF4AF87E-A15D-4480-B791-15D75F8AF848}" type="datetimeFigureOut">
               <a:rPr lang="pt-PT" smtClean="0"/>
-              <a:t>05/01/2025</a:t>
+              <a:t>31/03/2025</a:t>
             </a:fld>
             <a:endParaRPr lang="pt-PT"/>
           </a:p>
@@ -1379,7 +1379,7 @@
           <a:p>
             <a:fld id="{FF4AF87E-A15D-4480-B791-15D75F8AF848}" type="datetimeFigureOut">
               <a:rPr lang="pt-PT" smtClean="0"/>
-              <a:t>05/01/2025</a:t>
+              <a:t>31/03/2025</a:t>
             </a:fld>
             <a:endParaRPr lang="pt-PT"/>
           </a:p>
@@ -1655,7 +1655,7 @@
           <a:p>
             <a:fld id="{FF4AF87E-A15D-4480-B791-15D75F8AF848}" type="datetimeFigureOut">
               <a:rPr lang="pt-PT" smtClean="0"/>
-              <a:t>05/01/2025</a:t>
+              <a:t>31/03/2025</a:t>
             </a:fld>
             <a:endParaRPr lang="pt-PT"/>
           </a:p>
@@ -1923,7 +1923,7 @@
           <a:p>
             <a:fld id="{FF4AF87E-A15D-4480-B791-15D75F8AF848}" type="datetimeFigureOut">
               <a:rPr lang="pt-PT" smtClean="0"/>
-              <a:t>05/01/2025</a:t>
+              <a:t>31/03/2025</a:t>
             </a:fld>
             <a:endParaRPr lang="pt-PT"/>
           </a:p>
@@ -2338,7 +2338,7 @@
           <a:p>
             <a:fld id="{FF4AF87E-A15D-4480-B791-15D75F8AF848}" type="datetimeFigureOut">
               <a:rPr lang="pt-PT" smtClean="0"/>
-              <a:t>05/01/2025</a:t>
+              <a:t>31/03/2025</a:t>
             </a:fld>
             <a:endParaRPr lang="pt-PT"/>
           </a:p>
@@ -2480,7 +2480,7 @@
           <a:p>
             <a:fld id="{FF4AF87E-A15D-4480-B791-15D75F8AF848}" type="datetimeFigureOut">
               <a:rPr lang="pt-PT" smtClean="0"/>
-              <a:t>05/01/2025</a:t>
+              <a:t>31/03/2025</a:t>
             </a:fld>
             <a:endParaRPr lang="pt-PT"/>
           </a:p>
@@ -2593,7 +2593,7 @@
           <a:p>
             <a:fld id="{FF4AF87E-A15D-4480-B791-15D75F8AF848}" type="datetimeFigureOut">
               <a:rPr lang="pt-PT" smtClean="0"/>
-              <a:t>05/01/2025</a:t>
+              <a:t>31/03/2025</a:t>
             </a:fld>
             <a:endParaRPr lang="pt-PT"/>
           </a:p>
@@ -2906,7 +2906,7 @@
           <a:p>
             <a:fld id="{FF4AF87E-A15D-4480-B791-15D75F8AF848}" type="datetimeFigureOut">
               <a:rPr lang="pt-PT" smtClean="0"/>
-              <a:t>05/01/2025</a:t>
+              <a:t>31/03/2025</a:t>
             </a:fld>
             <a:endParaRPr lang="pt-PT"/>
           </a:p>
@@ -3088,7 +3088,7 @@
           <a:p>
             <a:fld id="{5FC36660-F7C2-4C37-BD61-E2E985519A54}" type="datetime1">
               <a:rPr lang="pt-PT" smtClean="0"/>
-              <a:t>05/01/2025</a:t>
+              <a:t>31/03/2025</a:t>
             </a:fld>
             <a:endParaRPr lang="pt-PT" dirty="0"/>
           </a:p>
@@ -3365,7 +3365,7 @@
           <a:p>
             <a:fld id="{FF4AF87E-A15D-4480-B791-15D75F8AF848}" type="datetimeFigureOut">
               <a:rPr lang="pt-PT" smtClean="0"/>
-              <a:t>05/01/2025</a:t>
+              <a:t>31/03/2025</a:t>
             </a:fld>
             <a:endParaRPr lang="pt-PT"/>
           </a:p>
@@ -3565,7 +3565,7 @@
           <a:p>
             <a:fld id="{FF4AF87E-A15D-4480-B791-15D75F8AF848}" type="datetimeFigureOut">
               <a:rPr lang="pt-PT" smtClean="0"/>
-              <a:t>05/01/2025</a:t>
+              <a:t>31/03/2025</a:t>
             </a:fld>
             <a:endParaRPr lang="pt-PT"/>
           </a:p>
@@ -3775,7 +3775,7 @@
           <a:p>
             <a:fld id="{FF4AF87E-A15D-4480-B791-15D75F8AF848}" type="datetimeFigureOut">
               <a:rPr lang="pt-PT" smtClean="0"/>
-              <a:t>05/01/2025</a:t>
+              <a:t>31/03/2025</a:t>
             </a:fld>
             <a:endParaRPr lang="pt-PT"/>
           </a:p>
@@ -4033,7 +4033,7 @@
           <a:p>
             <a:fld id="{EC1C553A-1723-4842-A3DB-E76BD21F5C6D}" type="datetime1">
               <a:rPr lang="pt-PT" smtClean="0"/>
-              <a:t>05/01/2025</a:t>
+              <a:t>31/03/2025</a:t>
             </a:fld>
             <a:endParaRPr lang="pt-PT" dirty="0"/>
           </a:p>
@@ -4265,7 +4265,7 @@
           <a:p>
             <a:fld id="{CE9B351E-3840-4886-B007-BC84D7C14686}" type="datetime1">
               <a:rPr lang="pt-PT" smtClean="0"/>
-              <a:t>05/01/2025</a:t>
+              <a:t>31/03/2025</a:t>
             </a:fld>
             <a:endParaRPr lang="pt-PT" dirty="0"/>
           </a:p>
@@ -4632,7 +4632,7 @@
           <a:p>
             <a:fld id="{C8686839-F4ED-436E-9AC9-AC7A0A0CD179}" type="datetime1">
               <a:rPr lang="pt-PT" smtClean="0"/>
-              <a:t>05/01/2025</a:t>
+              <a:t>31/03/2025</a:t>
             </a:fld>
             <a:endParaRPr lang="pt-PT" dirty="0"/>
           </a:p>
@@ -4750,7 +4750,7 @@
           <a:p>
             <a:fld id="{2AB82247-1A7C-4F98-8F33-5E4D07EFBF12}" type="datetime1">
               <a:rPr lang="pt-PT" smtClean="0"/>
-              <a:t>05/01/2025</a:t>
+              <a:t>31/03/2025</a:t>
             </a:fld>
             <a:endParaRPr lang="pt-PT" dirty="0"/>
           </a:p>
@@ -4845,7 +4845,7 @@
           <a:p>
             <a:fld id="{AFE320DE-3391-4A27-9653-F2BD505B9A08}" type="datetime1">
               <a:rPr lang="pt-PT" smtClean="0"/>
-              <a:t>05/01/2025</a:t>
+              <a:t>31/03/2025</a:t>
             </a:fld>
             <a:endParaRPr lang="pt-PT" dirty="0"/>
           </a:p>
@@ -5122,7 +5122,7 @@
           <a:p>
             <a:fld id="{E69250C8-88B2-4209-BD56-05813AC521DC}" type="datetime1">
               <a:rPr lang="pt-PT" smtClean="0"/>
-              <a:t>05/01/2025</a:t>
+              <a:t>31/03/2025</a:t>
             </a:fld>
             <a:endParaRPr lang="pt-PT" dirty="0"/>
           </a:p>
@@ -5375,7 +5375,7 @@
           <a:p>
             <a:fld id="{0B847055-2F12-42A4-9432-334276564B1D}" type="datetime1">
               <a:rPr lang="pt-PT" smtClean="0"/>
-              <a:t>05/01/2025</a:t>
+              <a:t>31/03/2025</a:t>
             </a:fld>
             <a:endParaRPr lang="pt-PT" dirty="0"/>
           </a:p>
@@ -5588,7 +5588,7 @@
           <a:p>
             <a:fld id="{B0883CD8-EC5B-4369-8F97-BE1E84F10887}" type="datetime1">
               <a:rPr lang="pt-PT" smtClean="0"/>
-              <a:t>05/01/2025</a:t>
+              <a:t>31/03/2025</a:t>
             </a:fld>
             <a:endParaRPr lang="pt-PT" dirty="0"/>
           </a:p>
@@ -6147,7 +6147,7 @@
           <a:p>
             <a:fld id="{FF4AF87E-A15D-4480-B791-15D75F8AF848}" type="datetimeFigureOut">
               <a:rPr lang="pt-PT" smtClean="0"/>
-              <a:t>05/01/2025</a:t>
+              <a:t>31/03/2025</a:t>
             </a:fld>
             <a:endParaRPr lang="pt-PT"/>
           </a:p>
@@ -8218,35 +8218,8 @@
                 <a:uFillTx/>
                 <a:latin typeface="Calibri Light" panose="020F0302020204030204"/>
               </a:rPr>
-              <a:t>research how to do the </a:t>
-            </a:r>
-            <a:r>
-              <a:rPr kumimoji="0" lang="en-US" sz="1200" b="0" i="0" u="none" strike="noStrike" kern="0" cap="none" spc="0" normalizeH="0" baseline="0" noProof="0" dirty="0" err="1">
-                <a:ln>
-                  <a:noFill/>
-                </a:ln>
-                <a:solidFill>
-                  <a:prstClr val="white"/>
-                </a:solidFill>
-                <a:effectLst/>
-                <a:uLnTx/>
-                <a:uFillTx/>
-                <a:latin typeface="Calibri Light" panose="020F0302020204030204"/>
-              </a:rPr>
-              <a:t>onnoarding</a:t>
-            </a:r>
-            <a:endParaRPr kumimoji="0" lang="en-US" sz="1200" b="0" i="0" u="none" strike="noStrike" kern="0" cap="none" spc="0" normalizeH="0" baseline="0" noProof="0" dirty="0">
-              <a:ln>
-                <a:noFill/>
-              </a:ln>
-              <a:solidFill>
-                <a:prstClr val="white"/>
-              </a:solidFill>
-              <a:effectLst/>
-              <a:uLnTx/>
-              <a:uFillTx/>
-              <a:latin typeface="Calibri Light" panose="020F0302020204030204"/>
-            </a:endParaRPr>
+              <a:t>research how to do the onboarding</a:t>
+            </a:r>
           </a:p>
         </p:txBody>
       </p:sp>
